--- a/presentation/presentation.pptx
+++ b/presentation/presentation.pptx
@@ -5,7 +5,7 @@
     <p:sldMasterId id="2147483648" r:id="rId1"/>
   </p:sldMasterIdLst>
   <p:notesMasterIdLst>
-    <p:notesMasterId r:id="rId10"/>
+    <p:notesMasterId r:id="rId11"/>
   </p:notesMasterIdLst>
   <p:sldIdLst>
     <p:sldId id="256" r:id="rId2"/>
@@ -16,6 +16,7 @@
     <p:sldId id="263" r:id="rId7"/>
     <p:sldId id="264" r:id="rId8"/>
     <p:sldId id="265" r:id="rId9"/>
+    <p:sldId id="266" r:id="rId10"/>
   </p:sldIdLst>
   <p:sldSz cx="12192000" cy="6858000"/>
   <p:notesSz cx="6858000" cy="9144000"/>
@@ -3250,9 +3251,42 @@
           </a:p>
         </p:txBody>
       </p:sp>
+      <p:sp>
+        <p:nvSpPr>
+          <p:cNvPr id="2" name="Title Placeholder 1"/>
+          <p:cNvSpPr>
+            <a:spLocks noGrp="1"/>
+          </p:cNvSpPr>
+          <p:nvPr>
+            <p:ph type="title"/>
+          </p:nvPr>
+        </p:nvSpPr>
+        <p:spPr>
+          <a:xfrm>
+            <a:off x="1470902" y="103885"/>
+            <a:ext cx="10515600" cy="800900"/>
+          </a:xfrm>
+          <a:prstGeom prst="rect">
+            <a:avLst/>
+          </a:prstGeom>
+        </p:spPr>
+        <p:txBody>
+          <a:bodyPr vert="horz" lIns="91440" tIns="45720" rIns="91440" bIns="45720" rtlCol="0" anchor="ctr">
+            <a:normAutofit/>
+          </a:bodyPr>
+          <a:lstStyle/>
+          <a:p>
+            <a:r>
+              <a:rPr lang="en-US"/>
+              <a:t>Click to edit Master title style</a:t>
+            </a:r>
+            <a:endParaRPr lang="en-US"/>
+          </a:p>
+        </p:txBody>
+      </p:sp>
       <p:pic>
         <p:nvPicPr>
-          <p:cNvPr id="8" name="Picture 7"/>
+          <p:cNvPr id="9" name="Picture 8"/>
           <p:cNvPicPr>
             <a:picLocks noChangeAspect="1"/>
           </p:cNvPicPr>
@@ -3272,47 +3306,14 @@
         </p:blipFill>
         <p:spPr>
           <a:xfrm>
-            <a:off x="122547" y="103884"/>
-            <a:ext cx="1142857" cy="800900"/>
+            <a:off x="169682" y="86461"/>
+            <a:ext cx="1095722" cy="818324"/>
           </a:xfrm>
           <a:prstGeom prst="rect">
             <a:avLst/>
           </a:prstGeom>
         </p:spPr>
       </p:pic>
-      <p:sp>
-        <p:nvSpPr>
-          <p:cNvPr id="2" name="Title Placeholder 1"/>
-          <p:cNvSpPr>
-            <a:spLocks noGrp="1"/>
-          </p:cNvSpPr>
-          <p:nvPr>
-            <p:ph type="title"/>
-          </p:nvPr>
-        </p:nvSpPr>
-        <p:spPr>
-          <a:xfrm>
-            <a:off x="1470902" y="103885"/>
-            <a:ext cx="10515600" cy="800900"/>
-          </a:xfrm>
-          <a:prstGeom prst="rect">
-            <a:avLst/>
-          </a:prstGeom>
-        </p:spPr>
-        <p:txBody>
-          <a:bodyPr vert="horz" lIns="91440" tIns="45720" rIns="91440" bIns="45720" rtlCol="0" anchor="ctr">
-            <a:normAutofit/>
-          </a:bodyPr>
-          <a:lstStyle/>
-          <a:p>
-            <a:r>
-              <a:rPr lang="en-US"/>
-              <a:t>Click to edit Master title style</a:t>
-            </a:r>
-            <a:endParaRPr lang="en-US"/>
-          </a:p>
-        </p:txBody>
-      </p:sp>
     </p:spTree>
     <p:extLst>
       <p:ext uri="{BB962C8B-B14F-4D97-AF65-F5344CB8AC3E}">
@@ -3850,7 +3851,62 @@
           <a:bodyPr/>
           <a:lstStyle/>
           <a:p>
+            <a:r>
+              <a:rPr lang="en-US" dirty="0"/>
+              <a:t>An application to generate study materials</a:t>
+            </a:r>
+          </a:p>
+          <a:p>
+            <a:pPr lvl="1"/>
+            <a:r>
+              <a:rPr lang="en-US" dirty="0"/>
+              <a:t>Scrounging for practice problems</a:t>
+            </a:r>
+          </a:p>
+          <a:p>
+            <a:pPr lvl="1"/>
+            <a:r>
+              <a:rPr lang="en-US" dirty="0"/>
+              <a:t>Can’t always create problems</a:t>
+            </a:r>
+          </a:p>
+          <a:p>
+            <a:pPr lvl="1"/>
+            <a:r>
+              <a:rPr lang="en-US" dirty="0"/>
+              <a:t>Doing the same problems over and over</a:t>
+            </a:r>
+          </a:p>
+          <a:p>
+            <a:pPr lvl="1"/>
+            <a:r>
+              <a:rPr lang="en-US" dirty="0"/>
+              <a:t>Limited quantity of problems</a:t>
+            </a:r>
+          </a:p>
+          <a:p>
+            <a:pPr lvl="1"/>
             <a:endParaRPr lang="en-US" dirty="0"/>
+          </a:p>
+          <a:p>
+            <a:r>
+              <a:rPr lang="en-US" dirty="0"/>
+              <a:t>Caters material to student performance</a:t>
+            </a:r>
+          </a:p>
+          <a:p>
+            <a:pPr lvl="1"/>
+            <a:r>
+              <a:rPr lang="en-US" dirty="0"/>
+              <a:t>Student doesn’t necessarily know what they don’t know</a:t>
+            </a:r>
+          </a:p>
+          <a:p>
+            <a:pPr lvl="1"/>
+            <a:r>
+              <a:rPr lang="en-US" dirty="0"/>
+              <a:t>Include more types of problems student gets wrong </a:t>
+            </a:r>
           </a:p>
         </p:txBody>
       </p:sp>
@@ -4030,14 +4086,14 @@
             <a:pPr lvl="1"/>
             <a:r>
               <a:rPr lang="en-US" dirty="0"/>
-              <a:t>Practice tests limited</a:t>
+              <a:t>Use AI to figure out what student has trouble with</a:t>
             </a:r>
           </a:p>
           <a:p>
             <a:pPr lvl="1"/>
             <a:r>
               <a:rPr lang="en-US" dirty="0"/>
-              <a:t>Difficult to tell if the material is really understood</a:t>
+              <a:t>Unlimited practice problems</a:t>
             </a:r>
           </a:p>
           <a:p>
@@ -4380,7 +4436,12 @@
             <p:ph idx="1"/>
           </p:nvPr>
         </p:nvSpPr>
-        <p:spPr/>
+        <p:spPr>
+          <a:xfrm>
+            <a:off x="838200" y="1164255"/>
+            <a:ext cx="10515600" cy="4932625"/>
+          </a:xfrm>
+        </p:spPr>
         <p:txBody>
           <a:bodyPr/>
           <a:lstStyle/>
@@ -4428,6 +4489,13 @@
             <a:r>
               <a:rPr lang="en-US" dirty="0"/>
               <a:t>Watson</a:t>
+            </a:r>
+          </a:p>
+          <a:p>
+            <a:pPr lvl="1"/>
+            <a:r>
+              <a:rPr lang="en-US" dirty="0"/>
+              <a:t>Microsoft Cognitive Services</a:t>
             </a:r>
           </a:p>
         </p:txBody>
@@ -4509,12 +4577,17 @@
         </p:nvSpPr>
         <p:spPr>
           <a:xfrm>
-            <a:off x="3393649" y="1432874"/>
+            <a:off x="2864962" y="1381071"/>
             <a:ext cx="1432875" cy="1800520"/>
           </a:xfrm>
           <a:prstGeom prst="rightBrace">
             <a:avLst/>
           </a:prstGeom>
+          <a:ln w="38100">
+            <a:solidFill>
+              <a:schemeClr val="tx1"/>
+            </a:solidFill>
+          </a:ln>
         </p:spPr>
         <p:style>
           <a:lnRef idx="1">
@@ -4547,7 +4620,7 @@
         </p:nvSpPr>
         <p:spPr>
           <a:xfrm>
-            <a:off x="5056560" y="1856080"/>
+            <a:off x="4519232" y="1804277"/>
             <a:ext cx="4650825" cy="954107"/>
           </a:xfrm>
           <a:prstGeom prst="rect">
@@ -4582,6 +4655,265 @@
           </a:p>
         </p:txBody>
       </p:sp>
+      <p:pic>
+        <p:nvPicPr>
+          <p:cNvPr id="9" name="Picture 8"/>
+          <p:cNvPicPr>
+            <a:picLocks noChangeAspect="1"/>
+          </p:cNvPicPr>
+          <p:nvPr/>
+        </p:nvPicPr>
+        <p:blipFill>
+          <a:blip r:embed="rId2">
+            <a:extLst>
+              <a:ext uri="{28A0092B-C50C-407E-A947-70E740481C1C}">
+                <a14:useLocalDpi xmlns:a14="http://schemas.microsoft.com/office/drawing/2010/main" val="0"/>
+              </a:ext>
+            </a:extLst>
+          </a:blip>
+          <a:stretch>
+            <a:fillRect/>
+          </a:stretch>
+        </p:blipFill>
+        <p:spPr>
+          <a:xfrm>
+            <a:off x="8468068" y="2274170"/>
+            <a:ext cx="1424192" cy="1373198"/>
+          </a:xfrm>
+          <a:prstGeom prst="rect">
+            <a:avLst/>
+          </a:prstGeom>
+        </p:spPr>
+      </p:pic>
+      <p:pic>
+        <p:nvPicPr>
+          <p:cNvPr id="10" name="Picture 9"/>
+          <p:cNvPicPr>
+            <a:picLocks noChangeAspect="1"/>
+          </p:cNvPicPr>
+          <p:nvPr/>
+        </p:nvPicPr>
+        <p:blipFill>
+          <a:blip r:embed="rId3">
+            <a:extLst>
+              <a:ext uri="{28A0092B-C50C-407E-A947-70E740481C1C}">
+                <a14:useLocalDpi xmlns:a14="http://schemas.microsoft.com/office/drawing/2010/main" val="0"/>
+              </a:ext>
+            </a:extLst>
+          </a:blip>
+          <a:stretch>
+            <a:fillRect/>
+          </a:stretch>
+        </p:blipFill>
+        <p:spPr>
+          <a:xfrm>
+            <a:off x="4998870" y="3017854"/>
+            <a:ext cx="2768165" cy="675432"/>
+          </a:xfrm>
+          <a:prstGeom prst="rect">
+            <a:avLst/>
+          </a:prstGeom>
+        </p:spPr>
+      </p:pic>
+      <p:pic>
+        <p:nvPicPr>
+          <p:cNvPr id="11" name="Picture 10"/>
+          <p:cNvPicPr>
+            <a:picLocks noChangeAspect="1"/>
+          </p:cNvPicPr>
+          <p:nvPr/>
+        </p:nvPicPr>
+        <p:blipFill>
+          <a:blip r:embed="rId4">
+            <a:extLst>
+              <a:ext uri="{28A0092B-C50C-407E-A947-70E740481C1C}">
+                <a14:useLocalDpi xmlns:a14="http://schemas.microsoft.com/office/drawing/2010/main" val="0"/>
+              </a:ext>
+            </a:extLst>
+          </a:blip>
+          <a:stretch>
+            <a:fillRect/>
+          </a:stretch>
+        </p:blipFill>
+        <p:spPr>
+          <a:xfrm>
+            <a:off x="4323549" y="4730631"/>
+            <a:ext cx="3204790" cy="1168478"/>
+          </a:xfrm>
+          <a:prstGeom prst="rect">
+            <a:avLst/>
+          </a:prstGeom>
+        </p:spPr>
+      </p:pic>
+      <p:pic>
+        <p:nvPicPr>
+          <p:cNvPr id="12" name="Picture 11"/>
+          <p:cNvPicPr>
+            <a:picLocks noChangeAspect="1"/>
+          </p:cNvPicPr>
+          <p:nvPr/>
+        </p:nvPicPr>
+        <p:blipFill>
+          <a:blip r:embed="rId5">
+            <a:extLst>
+              <a:ext uri="{28A0092B-C50C-407E-A947-70E740481C1C}">
+                <a14:useLocalDpi xmlns:a14="http://schemas.microsoft.com/office/drawing/2010/main" val="0"/>
+              </a:ext>
+            </a:extLst>
+          </a:blip>
+          <a:stretch>
+            <a:fillRect/>
+          </a:stretch>
+        </p:blipFill>
+        <p:spPr>
+          <a:xfrm>
+            <a:off x="838200" y="5023365"/>
+            <a:ext cx="2864678" cy="896885"/>
+          </a:xfrm>
+          <a:prstGeom prst="rect">
+            <a:avLst/>
+          </a:prstGeom>
+        </p:spPr>
+      </p:pic>
+      <p:pic>
+        <p:nvPicPr>
+          <p:cNvPr id="13" name="Picture 12"/>
+          <p:cNvPicPr>
+            <a:picLocks noChangeAspect="1"/>
+          </p:cNvPicPr>
+          <p:nvPr/>
+        </p:nvPicPr>
+        <p:blipFill>
+          <a:blip r:embed="rId6">
+            <a:extLst>
+              <a:ext uri="{28A0092B-C50C-407E-A947-70E740481C1C}">
+                <a14:useLocalDpi xmlns:a14="http://schemas.microsoft.com/office/drawing/2010/main" val="0"/>
+              </a:ext>
+            </a:extLst>
+          </a:blip>
+          <a:stretch>
+            <a:fillRect/>
+          </a:stretch>
+        </p:blipFill>
+        <p:spPr>
+          <a:xfrm>
+            <a:off x="6335121" y="3277844"/>
+            <a:ext cx="3667999" cy="1834000"/>
+          </a:xfrm>
+          <a:prstGeom prst="rect">
+            <a:avLst/>
+          </a:prstGeom>
+        </p:spPr>
+      </p:pic>
+      <p:grpSp>
+        <p:nvGrpSpPr>
+          <p:cNvPr id="17" name="Group 16"/>
+          <p:cNvGrpSpPr/>
+          <p:nvPr/>
+        </p:nvGrpSpPr>
+        <p:grpSpPr>
+          <a:xfrm>
+            <a:off x="8774460" y="4534012"/>
+            <a:ext cx="3196645" cy="1387591"/>
+            <a:chOff x="9909283" y="4364442"/>
+            <a:chExt cx="2064990" cy="871959"/>
+          </a:xfrm>
+        </p:grpSpPr>
+        <p:pic>
+          <p:nvPicPr>
+            <p:cNvPr id="14" name="Picture 13"/>
+            <p:cNvPicPr>
+              <a:picLocks noChangeAspect="1"/>
+            </p:cNvPicPr>
+            <p:nvPr/>
+          </p:nvPicPr>
+          <p:blipFill>
+            <a:blip r:embed="rId7">
+              <a:extLst>
+                <a:ext uri="{28A0092B-C50C-407E-A947-70E740481C1C}">
+                  <a14:useLocalDpi xmlns:a14="http://schemas.microsoft.com/office/drawing/2010/main" val="0"/>
+                </a:ext>
+              </a:extLst>
+            </a:blip>
+            <a:stretch>
+              <a:fillRect/>
+            </a:stretch>
+          </p:blipFill>
+          <p:spPr>
+            <a:xfrm>
+              <a:off x="10566089" y="4364442"/>
+              <a:ext cx="780290" cy="780290"/>
+            </a:xfrm>
+            <a:prstGeom prst="rect">
+              <a:avLst/>
+            </a:prstGeom>
+          </p:spPr>
+        </p:pic>
+        <p:sp>
+          <p:nvSpPr>
+            <p:cNvPr id="15" name="Rectangle 14"/>
+            <p:cNvSpPr/>
+            <p:nvPr/>
+          </p:nvSpPr>
+          <p:spPr>
+            <a:xfrm>
+              <a:off x="9909283" y="4984973"/>
+              <a:ext cx="2064990" cy="251428"/>
+            </a:xfrm>
+            <a:prstGeom prst="rect">
+              <a:avLst/>
+            </a:prstGeom>
+          </p:spPr>
+          <p:txBody>
+            <a:bodyPr wrap="none">
+              <a:spAutoFit/>
+            </a:bodyPr>
+            <a:lstStyle/>
+            <a:p>
+              <a:pPr algn="ctr"/>
+              <a:r>
+                <a:rPr lang="en-US" sz="2000" dirty="0">
+                  <a:cs typeface="Segoe UI" panose="020B0502040204020203" pitchFamily="34" charset="0"/>
+                </a:rPr>
+                <a:t>Microsoft Cognitive Services</a:t>
+              </a:r>
+              <a:endParaRPr lang="en-US" sz="2000" dirty="0">
+                <a:cs typeface="Segoe UI" panose="020B0502040204020203" pitchFamily="34" charset="0"/>
+              </a:endParaRPr>
+            </a:p>
+          </p:txBody>
+        </p:sp>
+      </p:grpSp>
+      <p:pic>
+        <p:nvPicPr>
+          <p:cNvPr id="16" name="Picture 15"/>
+          <p:cNvPicPr>
+            <a:picLocks noChangeAspect="1"/>
+          </p:cNvPicPr>
+          <p:nvPr/>
+        </p:nvPicPr>
+        <p:blipFill>
+          <a:blip r:embed="rId8">
+            <a:extLst>
+              <a:ext uri="{28A0092B-C50C-407E-A947-70E740481C1C}">
+                <a14:useLocalDpi xmlns:a14="http://schemas.microsoft.com/office/drawing/2010/main" val="0"/>
+              </a:ext>
+            </a:extLst>
+          </a:blip>
+          <a:stretch>
+            <a:fillRect/>
+          </a:stretch>
+        </p:blipFill>
+        <p:spPr>
+          <a:xfrm>
+            <a:off x="10043149" y="2021156"/>
+            <a:ext cx="2011684" cy="1993396"/>
+          </a:xfrm>
+          <a:prstGeom prst="rect">
+            <a:avLst/>
+          </a:prstGeom>
+        </p:spPr>
+      </p:pic>
     </p:spTree>
     <p:extLst>
       <p:ext uri="{BB962C8B-B14F-4D97-AF65-F5344CB8AC3E}">
@@ -4989,11 +5321,64 @@
             <p:ph idx="1"/>
           </p:nvPr>
         </p:nvSpPr>
-        <p:spPr/>
-        <p:txBody>
-          <a:bodyPr/>
-          <a:lstStyle/>
-          <a:p>
+        <p:spPr>
+          <a:xfrm>
+            <a:off x="838200" y="1244338"/>
+            <a:ext cx="4553932" cy="4932625"/>
+          </a:xfrm>
+        </p:spPr>
+        <p:txBody>
+          <a:bodyPr>
+            <a:normAutofit/>
+          </a:bodyPr>
+          <a:lstStyle/>
+          <a:p>
+            <a:pPr marL="0" indent="0">
+              <a:buNone/>
+            </a:pPr>
+            <a:r>
+              <a:rPr lang="en-US" dirty="0"/>
+              <a:t>Many Directions</a:t>
+            </a:r>
+          </a:p>
+          <a:p>
+            <a:pPr marL="0" indent="0">
+              <a:buNone/>
+            </a:pPr>
+            <a:endParaRPr lang="en-US" dirty="0"/>
+          </a:p>
+          <a:p>
+            <a:r>
+              <a:rPr lang="en-US" dirty="0"/>
+              <a:t>Other subjects</a:t>
+            </a:r>
+          </a:p>
+          <a:p>
+            <a:r>
+              <a:rPr lang="en-US" dirty="0"/>
+              <a:t>Metrics tracking</a:t>
+            </a:r>
+          </a:p>
+          <a:p>
+            <a:r>
+              <a:rPr lang="en-US" dirty="0"/>
+              <a:t>More problem types</a:t>
+            </a:r>
+          </a:p>
+          <a:p>
+            <a:r>
+              <a:rPr lang="en-US" dirty="0"/>
+              <a:t>All age groups</a:t>
+            </a:r>
+          </a:p>
+          <a:p>
+            <a:endParaRPr lang="en-US" dirty="0"/>
+          </a:p>
+          <a:p>
+            <a:endParaRPr lang="en-US" dirty="0"/>
+          </a:p>
+          <a:p>
+            <a:pPr lvl="1"/>
             <a:endParaRPr lang="en-US" dirty="0"/>
           </a:p>
         </p:txBody>
@@ -5067,10 +5452,401 @@
           </a:p>
         </p:txBody>
       </p:sp>
+      <p:sp>
+        <p:nvSpPr>
+          <p:cNvPr id="7" name="Content Placeholder 2"/>
+          <p:cNvSpPr txBox="1">
+            <a:spLocks/>
+          </p:cNvSpPr>
+          <p:nvPr/>
+        </p:nvSpPr>
+        <p:spPr>
+          <a:xfrm>
+            <a:off x="6799868" y="1244338"/>
+            <a:ext cx="4553932" cy="4932625"/>
+          </a:xfrm>
+          <a:prstGeom prst="rect">
+            <a:avLst/>
+          </a:prstGeom>
+        </p:spPr>
+        <p:txBody>
+          <a:bodyPr vert="horz" lIns="91440" tIns="45720" rIns="91440" bIns="45720" rtlCol="0">
+            <a:normAutofit/>
+          </a:bodyPr>
+          <a:lstStyle>
+            <a:lvl1pPr marL="228600" indent="-228600" algn="l" defTabSz="914400" rtl="0" eaLnBrk="1" latinLnBrk="0" hangingPunct="1">
+              <a:lnSpc>
+                <a:spcPct val="90000"/>
+              </a:lnSpc>
+              <a:spcBef>
+                <a:spcPts val="1000"/>
+              </a:spcBef>
+              <a:buFont typeface="Arial" panose="020B0604020202020204" pitchFamily="34" charset="0"/>
+              <a:buChar char="•"/>
+              <a:defRPr sz="2800" kern="1200">
+                <a:solidFill>
+                  <a:schemeClr val="tx1"/>
+                </a:solidFill>
+                <a:latin typeface="+mn-lt"/>
+                <a:ea typeface="+mn-ea"/>
+                <a:cs typeface="+mn-cs"/>
+              </a:defRPr>
+            </a:lvl1pPr>
+            <a:lvl2pPr marL="685800" indent="-228600" algn="l" defTabSz="914400" rtl="0" eaLnBrk="1" latinLnBrk="0" hangingPunct="1">
+              <a:lnSpc>
+                <a:spcPct val="90000"/>
+              </a:lnSpc>
+              <a:spcBef>
+                <a:spcPts val="500"/>
+              </a:spcBef>
+              <a:buFont typeface="Arial" panose="020B0604020202020204" pitchFamily="34" charset="0"/>
+              <a:buChar char="•"/>
+              <a:defRPr sz="2400" kern="1200">
+                <a:solidFill>
+                  <a:schemeClr val="tx1"/>
+                </a:solidFill>
+                <a:latin typeface="+mn-lt"/>
+                <a:ea typeface="+mn-ea"/>
+                <a:cs typeface="+mn-cs"/>
+              </a:defRPr>
+            </a:lvl2pPr>
+            <a:lvl3pPr marL="1143000" indent="-228600" algn="l" defTabSz="914400" rtl="0" eaLnBrk="1" latinLnBrk="0" hangingPunct="1">
+              <a:lnSpc>
+                <a:spcPct val="90000"/>
+              </a:lnSpc>
+              <a:spcBef>
+                <a:spcPts val="500"/>
+              </a:spcBef>
+              <a:buFont typeface="Arial" panose="020B0604020202020204" pitchFamily="34" charset="0"/>
+              <a:buChar char="•"/>
+              <a:defRPr sz="2000" kern="1200">
+                <a:solidFill>
+                  <a:schemeClr val="tx1"/>
+                </a:solidFill>
+                <a:latin typeface="+mn-lt"/>
+                <a:ea typeface="+mn-ea"/>
+                <a:cs typeface="+mn-cs"/>
+              </a:defRPr>
+            </a:lvl3pPr>
+            <a:lvl4pPr marL="1600200" indent="-228600" algn="l" defTabSz="914400" rtl="0" eaLnBrk="1" latinLnBrk="0" hangingPunct="1">
+              <a:lnSpc>
+                <a:spcPct val="90000"/>
+              </a:lnSpc>
+              <a:spcBef>
+                <a:spcPts val="500"/>
+              </a:spcBef>
+              <a:buFont typeface="Arial" panose="020B0604020202020204" pitchFamily="34" charset="0"/>
+              <a:buChar char="•"/>
+              <a:defRPr sz="1800" kern="1200">
+                <a:solidFill>
+                  <a:schemeClr val="tx1"/>
+                </a:solidFill>
+                <a:latin typeface="+mn-lt"/>
+                <a:ea typeface="+mn-ea"/>
+                <a:cs typeface="+mn-cs"/>
+              </a:defRPr>
+            </a:lvl4pPr>
+            <a:lvl5pPr marL="2057400" indent="-228600" algn="l" defTabSz="914400" rtl="0" eaLnBrk="1" latinLnBrk="0" hangingPunct="1">
+              <a:lnSpc>
+                <a:spcPct val="90000"/>
+              </a:lnSpc>
+              <a:spcBef>
+                <a:spcPts val="500"/>
+              </a:spcBef>
+              <a:buFont typeface="Arial" panose="020B0604020202020204" pitchFamily="34" charset="0"/>
+              <a:buChar char="•"/>
+              <a:defRPr sz="1800" kern="1200">
+                <a:solidFill>
+                  <a:schemeClr val="tx1"/>
+                </a:solidFill>
+                <a:latin typeface="+mn-lt"/>
+                <a:ea typeface="+mn-ea"/>
+                <a:cs typeface="+mn-cs"/>
+              </a:defRPr>
+            </a:lvl5pPr>
+            <a:lvl6pPr marL="2514600" indent="-228600" algn="l" defTabSz="914400" rtl="0" eaLnBrk="1" latinLnBrk="0" hangingPunct="1">
+              <a:lnSpc>
+                <a:spcPct val="90000"/>
+              </a:lnSpc>
+              <a:spcBef>
+                <a:spcPts val="500"/>
+              </a:spcBef>
+              <a:buFont typeface="Arial" panose="020B0604020202020204" pitchFamily="34" charset="0"/>
+              <a:buChar char="•"/>
+              <a:defRPr sz="1800" kern="1200">
+                <a:solidFill>
+                  <a:schemeClr val="tx1"/>
+                </a:solidFill>
+                <a:latin typeface="+mn-lt"/>
+                <a:ea typeface="+mn-ea"/>
+                <a:cs typeface="+mn-cs"/>
+              </a:defRPr>
+            </a:lvl6pPr>
+            <a:lvl7pPr marL="2971800" indent="-228600" algn="l" defTabSz="914400" rtl="0" eaLnBrk="1" latinLnBrk="0" hangingPunct="1">
+              <a:lnSpc>
+                <a:spcPct val="90000"/>
+              </a:lnSpc>
+              <a:spcBef>
+                <a:spcPts val="500"/>
+              </a:spcBef>
+              <a:buFont typeface="Arial" panose="020B0604020202020204" pitchFamily="34" charset="0"/>
+              <a:buChar char="•"/>
+              <a:defRPr sz="1800" kern="1200">
+                <a:solidFill>
+                  <a:schemeClr val="tx1"/>
+                </a:solidFill>
+                <a:latin typeface="+mn-lt"/>
+                <a:ea typeface="+mn-ea"/>
+                <a:cs typeface="+mn-cs"/>
+              </a:defRPr>
+            </a:lvl7pPr>
+            <a:lvl8pPr marL="3429000" indent="-228600" algn="l" defTabSz="914400" rtl="0" eaLnBrk="1" latinLnBrk="0" hangingPunct="1">
+              <a:lnSpc>
+                <a:spcPct val="90000"/>
+              </a:lnSpc>
+              <a:spcBef>
+                <a:spcPts val="500"/>
+              </a:spcBef>
+              <a:buFont typeface="Arial" panose="020B0604020202020204" pitchFamily="34" charset="0"/>
+              <a:buChar char="•"/>
+              <a:defRPr sz="1800" kern="1200">
+                <a:solidFill>
+                  <a:schemeClr val="tx1"/>
+                </a:solidFill>
+                <a:latin typeface="+mn-lt"/>
+                <a:ea typeface="+mn-ea"/>
+                <a:cs typeface="+mn-cs"/>
+              </a:defRPr>
+            </a:lvl8pPr>
+            <a:lvl9pPr marL="3886200" indent="-228600" algn="l" defTabSz="914400" rtl="0" eaLnBrk="1" latinLnBrk="0" hangingPunct="1">
+              <a:lnSpc>
+                <a:spcPct val="90000"/>
+              </a:lnSpc>
+              <a:spcBef>
+                <a:spcPts val="500"/>
+              </a:spcBef>
+              <a:buFont typeface="Arial" panose="020B0604020202020204" pitchFamily="34" charset="0"/>
+              <a:buChar char="•"/>
+              <a:defRPr sz="1800" kern="1200">
+                <a:solidFill>
+                  <a:schemeClr val="tx1"/>
+                </a:solidFill>
+                <a:latin typeface="+mn-lt"/>
+                <a:ea typeface="+mn-ea"/>
+                <a:cs typeface="+mn-cs"/>
+              </a:defRPr>
+            </a:lvl9pPr>
+          </a:lstStyle>
+          <a:p>
+            <a:pPr marL="0" indent="0">
+              <a:buFont typeface="Arial" panose="020B0604020202020204" pitchFamily="34" charset="0"/>
+              <a:buNone/>
+            </a:pPr>
+            <a:endParaRPr lang="en-US" dirty="0"/>
+          </a:p>
+          <a:p>
+            <a:pPr marL="0" indent="0">
+              <a:buFont typeface="Arial" panose="020B0604020202020204" pitchFamily="34" charset="0"/>
+              <a:buNone/>
+            </a:pPr>
+            <a:endParaRPr lang="en-US" dirty="0"/>
+          </a:p>
+          <a:p>
+            <a:r>
+              <a:rPr lang="en-US" dirty="0"/>
+              <a:t>Predefined courses</a:t>
+            </a:r>
+          </a:p>
+          <a:p>
+            <a:r>
+              <a:rPr lang="en-US" dirty="0"/>
+              <a:t>Answer analysis</a:t>
+            </a:r>
+            <a:endParaRPr lang="en-US" dirty="0"/>
+          </a:p>
+          <a:p>
+            <a:r>
+              <a:rPr lang="en-US" dirty="0"/>
+              <a:t>Handwritten input</a:t>
+            </a:r>
+          </a:p>
+          <a:p>
+            <a:r>
+              <a:rPr lang="en-US" dirty="0"/>
+              <a:t>The list goes on…</a:t>
+            </a:r>
+          </a:p>
+          <a:p>
+            <a:endParaRPr lang="en-US" dirty="0"/>
+          </a:p>
+          <a:p>
+            <a:pPr lvl="1"/>
+            <a:endParaRPr lang="en-US" dirty="0"/>
+          </a:p>
+        </p:txBody>
+      </p:sp>
     </p:spTree>
     <p:extLst>
       <p:ext uri="{BB962C8B-B14F-4D97-AF65-F5344CB8AC3E}">
         <p14:creationId xmlns:p14="http://schemas.microsoft.com/office/powerpoint/2010/main" val="1178404124"/>
+      </p:ext>
+    </p:extLst>
+  </p:cSld>
+  <p:clrMapOvr>
+    <a:masterClrMapping/>
+  </p:clrMapOvr>
+</p:sld>
+</file>
+
+<file path=ppt/slides/slide9.xml><?xml version="1.0" encoding="utf-8"?>
+<p:sld xmlns:a="http://schemas.openxmlformats.org/drawingml/2006/main" xmlns:r="http://schemas.openxmlformats.org/officeDocument/2006/relationships" xmlns:p="http://schemas.openxmlformats.org/presentationml/2006/main">
+  <p:cSld>
+    <p:spTree>
+      <p:nvGrpSpPr>
+        <p:cNvPr id="1" name=""/>
+        <p:cNvGrpSpPr/>
+        <p:nvPr/>
+      </p:nvGrpSpPr>
+      <p:grpSpPr>
+        <a:xfrm>
+          <a:off x="0" y="0"/>
+          <a:ext cx="0" cy="0"/>
+          <a:chOff x="0" y="0"/>
+          <a:chExt cx="0" cy="0"/>
+        </a:xfrm>
+      </p:grpSpPr>
+      <p:sp>
+        <p:nvSpPr>
+          <p:cNvPr id="2" name="Title 1"/>
+          <p:cNvSpPr>
+            <a:spLocks noGrp="1"/>
+          </p:cNvSpPr>
+          <p:nvPr>
+            <p:ph type="title"/>
+          </p:nvPr>
+        </p:nvSpPr>
+        <p:spPr/>
+        <p:txBody>
+          <a:bodyPr/>
+          <a:lstStyle/>
+          <a:p>
+            <a:r>
+              <a:rPr lang="en-US" dirty="0"/>
+              <a:t>Thank You!</a:t>
+            </a:r>
+          </a:p>
+        </p:txBody>
+      </p:sp>
+      <p:sp>
+        <p:nvSpPr>
+          <p:cNvPr id="3" name="Content Placeholder 2"/>
+          <p:cNvSpPr>
+            <a:spLocks noGrp="1"/>
+          </p:cNvSpPr>
+          <p:nvPr>
+            <p:ph idx="1"/>
+          </p:nvPr>
+        </p:nvSpPr>
+        <p:spPr/>
+        <p:txBody>
+          <a:bodyPr/>
+          <a:lstStyle/>
+          <a:p>
+            <a:pPr algn="ctr"/>
+            <a:endParaRPr lang="en-US" dirty="0"/>
+          </a:p>
+          <a:p>
+            <a:pPr algn="ctr"/>
+            <a:endParaRPr lang="en-US" dirty="0"/>
+          </a:p>
+          <a:p>
+            <a:pPr algn="ctr"/>
+            <a:endParaRPr lang="en-US" dirty="0"/>
+          </a:p>
+          <a:p>
+            <a:pPr marL="0" indent="0" algn="ctr">
+              <a:buNone/>
+            </a:pPr>
+            <a:r>
+              <a:rPr lang="en-US" sz="8000" dirty="0"/>
+              <a:t>Questions?</a:t>
+            </a:r>
+          </a:p>
+        </p:txBody>
+      </p:sp>
+      <p:sp>
+        <p:nvSpPr>
+          <p:cNvPr id="4" name="Date Placeholder 3"/>
+          <p:cNvSpPr>
+            <a:spLocks noGrp="1"/>
+          </p:cNvSpPr>
+          <p:nvPr>
+            <p:ph type="dt" sz="half" idx="10"/>
+          </p:nvPr>
+        </p:nvSpPr>
+        <p:spPr/>
+        <p:txBody>
+          <a:bodyPr/>
+          <a:lstStyle/>
+          <a:p>
+            <a:r>
+              <a:rPr lang="en-US"/>
+              <a:t>7/6/2017</a:t>
+            </a:r>
+            <a:endParaRPr lang="en-US"/>
+          </a:p>
+        </p:txBody>
+      </p:sp>
+      <p:sp>
+        <p:nvSpPr>
+          <p:cNvPr id="5" name="Footer Placeholder 4"/>
+          <p:cNvSpPr>
+            <a:spLocks noGrp="1"/>
+          </p:cNvSpPr>
+          <p:nvPr>
+            <p:ph type="ftr" sz="quarter" idx="11"/>
+          </p:nvPr>
+        </p:nvSpPr>
+        <p:spPr/>
+        <p:txBody>
+          <a:bodyPr/>
+          <a:lstStyle/>
+          <a:p>
+            <a:r>
+              <a:rPr lang="en-US"/>
+              <a:t>Team: Adaptive Education</a:t>
+            </a:r>
+            <a:endParaRPr lang="en-US"/>
+          </a:p>
+        </p:txBody>
+      </p:sp>
+      <p:sp>
+        <p:nvSpPr>
+          <p:cNvPr id="6" name="Slide Number Placeholder 5"/>
+          <p:cNvSpPr>
+            <a:spLocks noGrp="1"/>
+          </p:cNvSpPr>
+          <p:nvPr>
+            <p:ph type="sldNum" sz="quarter" idx="12"/>
+          </p:nvPr>
+        </p:nvSpPr>
+        <p:spPr/>
+        <p:txBody>
+          <a:bodyPr/>
+          <a:lstStyle/>
+          <a:p>
+            <a:fld id="{97911016-CD89-4209-89A7-ED3A0A479DAD}" type="slidenum">
+              <a:rPr lang="en-US" smtClean="0"/>
+              <a:t>9</a:t>
+            </a:fld>
+            <a:endParaRPr lang="en-US"/>
+          </a:p>
+        </p:txBody>
+      </p:sp>
+    </p:spTree>
+    <p:extLst>
+      <p:ext uri="{BB962C8B-B14F-4D97-AF65-F5344CB8AC3E}">
+        <p14:creationId xmlns:p14="http://schemas.microsoft.com/office/powerpoint/2010/main" val="749024741"/>
       </p:ext>
     </p:extLst>
   </p:cSld>
